--- a/Paper/Bilder_Paper/vibration_main_paper/vibration_main_paper.pptx
+++ b/Paper/Bilder_Paper/vibration_main_paper/vibration_main_paper.pptx
@@ -259,7 +259,7 @@
           <a:p>
             <a:fld id="{356E31D5-1DA9-714B-9ED3-8FFB5159862F}" type="datetimeFigureOut">
               <a:rPr lang="de-DE" smtClean="0"/>
-              <a:t>30.10.24</a:t>
+              <a:t>15.12.24</a:t>
             </a:fld>
             <a:endParaRPr lang="de-DE"/>
           </a:p>
@@ -457,7 +457,7 @@
           <a:p>
             <a:fld id="{356E31D5-1DA9-714B-9ED3-8FFB5159862F}" type="datetimeFigureOut">
               <a:rPr lang="de-DE" smtClean="0"/>
-              <a:t>30.10.24</a:t>
+              <a:t>15.12.24</a:t>
             </a:fld>
             <a:endParaRPr lang="de-DE"/>
           </a:p>
@@ -665,7 +665,7 @@
           <a:p>
             <a:fld id="{356E31D5-1DA9-714B-9ED3-8FFB5159862F}" type="datetimeFigureOut">
               <a:rPr lang="de-DE" smtClean="0"/>
-              <a:t>30.10.24</a:t>
+              <a:t>15.12.24</a:t>
             </a:fld>
             <a:endParaRPr lang="de-DE"/>
           </a:p>
@@ -863,7 +863,7 @@
           <a:p>
             <a:fld id="{356E31D5-1DA9-714B-9ED3-8FFB5159862F}" type="datetimeFigureOut">
               <a:rPr lang="de-DE" smtClean="0"/>
-              <a:t>30.10.24</a:t>
+              <a:t>15.12.24</a:t>
             </a:fld>
             <a:endParaRPr lang="de-DE"/>
           </a:p>
@@ -1138,7 +1138,7 @@
           <a:p>
             <a:fld id="{356E31D5-1DA9-714B-9ED3-8FFB5159862F}" type="datetimeFigureOut">
               <a:rPr lang="de-DE" smtClean="0"/>
-              <a:t>30.10.24</a:t>
+              <a:t>15.12.24</a:t>
             </a:fld>
             <a:endParaRPr lang="de-DE"/>
           </a:p>
@@ -1403,7 +1403,7 @@
           <a:p>
             <a:fld id="{356E31D5-1DA9-714B-9ED3-8FFB5159862F}" type="datetimeFigureOut">
               <a:rPr lang="de-DE" smtClean="0"/>
-              <a:t>30.10.24</a:t>
+              <a:t>15.12.24</a:t>
             </a:fld>
             <a:endParaRPr lang="de-DE"/>
           </a:p>
@@ -1815,7 +1815,7 @@
           <a:p>
             <a:fld id="{356E31D5-1DA9-714B-9ED3-8FFB5159862F}" type="datetimeFigureOut">
               <a:rPr lang="de-DE" smtClean="0"/>
-              <a:t>30.10.24</a:t>
+              <a:t>15.12.24</a:t>
             </a:fld>
             <a:endParaRPr lang="de-DE"/>
           </a:p>
@@ -1956,7 +1956,7 @@
           <a:p>
             <a:fld id="{356E31D5-1DA9-714B-9ED3-8FFB5159862F}" type="datetimeFigureOut">
               <a:rPr lang="de-DE" smtClean="0"/>
-              <a:t>30.10.24</a:t>
+              <a:t>15.12.24</a:t>
             </a:fld>
             <a:endParaRPr lang="de-DE"/>
           </a:p>
@@ -2069,7 +2069,7 @@
           <a:p>
             <a:fld id="{356E31D5-1DA9-714B-9ED3-8FFB5159862F}" type="datetimeFigureOut">
               <a:rPr lang="de-DE" smtClean="0"/>
-              <a:t>30.10.24</a:t>
+              <a:t>15.12.24</a:t>
             </a:fld>
             <a:endParaRPr lang="de-DE"/>
           </a:p>
@@ -2380,7 +2380,7 @@
           <a:p>
             <a:fld id="{356E31D5-1DA9-714B-9ED3-8FFB5159862F}" type="datetimeFigureOut">
               <a:rPr lang="de-DE" smtClean="0"/>
-              <a:t>30.10.24</a:t>
+              <a:t>15.12.24</a:t>
             </a:fld>
             <a:endParaRPr lang="de-DE"/>
           </a:p>
@@ -2668,7 +2668,7 @@
           <a:p>
             <a:fld id="{356E31D5-1DA9-714B-9ED3-8FFB5159862F}" type="datetimeFigureOut">
               <a:rPr lang="de-DE" smtClean="0"/>
-              <a:t>30.10.24</a:t>
+              <a:t>15.12.24</a:t>
             </a:fld>
             <a:endParaRPr lang="de-DE"/>
           </a:p>
@@ -2909,7 +2909,7 @@
           <a:p>
             <a:fld id="{356E31D5-1DA9-714B-9ED3-8FFB5159862F}" type="datetimeFigureOut">
               <a:rPr lang="de-DE" smtClean="0"/>
-              <a:t>30.10.24</a:t>
+              <a:t>15.12.24</a:t>
             </a:fld>
             <a:endParaRPr lang="de-DE"/>
           </a:p>
@@ -4502,7 +4502,15 @@
                 </a:r>
                 <a:r>
                   <a:rPr lang="de-AT" dirty="0"/>
-                  <a:t>H2O</a:t>
+                  <a:t>H</a:t>
+                </a:r>
+                <a:r>
+                  <a:rPr lang="de-AT" baseline="-25000" dirty="0"/>
+                  <a:t>2</a:t>
+                </a:r>
+                <a:r>
+                  <a:rPr lang="de-AT" dirty="0"/>
+                  <a:t>O</a:t>
                 </a:r>
                 <a:r>
                   <a:rPr lang="de-AT" b="0" dirty="0"/>
@@ -5518,19 +5526,7 @@
                       <a:rPr lang="de-AT" b="0" i="0" smtClean="0">
                         <a:latin typeface="Cambria Math" panose="02040503050406030204" pitchFamily="18" charset="0"/>
                       </a:rPr>
-                      <m:t> </m:t>
-                    </m:r>
-                    <m:r>
-                      <a:rPr lang="de-AT" b="0" i="0" smtClean="0">
-                        <a:latin typeface="Cambria Math" panose="02040503050406030204" pitchFamily="18" charset="0"/>
-                      </a:rPr>
-                      <m:t> </m:t>
-                    </m:r>
-                    <m:r>
-                      <a:rPr lang="de-AT" b="0" i="0" smtClean="0">
-                        <a:latin typeface="Cambria Math" panose="02040503050406030204" pitchFamily="18" charset="0"/>
-                      </a:rPr>
-                      <m:t> </m:t>
+                      <m:t>   </m:t>
                     </m:r>
                     <m:r>
                       <a:rPr lang="de-AT" b="0" i="1" smtClean="0">
@@ -5552,7 +5548,15 @@
                 </a:r>
                 <a:r>
                   <a:rPr lang="de-AT" dirty="0"/>
-                  <a:t>H2O</a:t>
+                  <a:t>H</a:t>
+                </a:r>
+                <a:r>
+                  <a:rPr lang="de-AT" baseline="-25000" dirty="0"/>
+                  <a:t>2</a:t>
+                </a:r>
+                <a:r>
+                  <a:rPr lang="de-AT" dirty="0"/>
+                  <a:t>O</a:t>
                 </a:r>
                 <a:r>
                   <a:rPr lang="de-AT" b="0" dirty="0"/>
@@ -5666,8 +5670,8 @@
           </a:prstGeom>
         </p:spPr>
       </p:pic>
-      <mc:AlternateContent xmlns:mc="http://schemas.openxmlformats.org/markup-compatibility/2006" xmlns:a14="http://schemas.microsoft.com/office/drawing/2010/main">
-        <mc:Choice Requires="a14">
+      <mc:AlternateContent xmlns:mc="http://schemas.openxmlformats.org/markup-compatibility/2006">
+        <mc:Choice xmlns:a14="http://schemas.microsoft.com/office/drawing/2010/main" Requires="a14">
           <p:sp>
             <p:nvSpPr>
               <p:cNvPr id="65" name="Textfeld 64">
@@ -5708,13 +5712,21 @@
                 </a14:m>
                 <a:r>
                   <a:rPr lang="de-AT" b="0" dirty="0"/>
-                  <a:t>(CH3) M2 </a:t>
+                  <a:t>(CH</a:t>
+                </a:r>
+                <a:r>
+                  <a:rPr lang="de-AT" b="0" baseline="-25000" dirty="0"/>
+                  <a:t>3</a:t>
+                </a:r>
+                <a:r>
+                  <a:rPr lang="de-AT" b="0" dirty="0"/>
+                  <a:t>) M2 </a:t>
                 </a:r>
               </a:p>
             </p:txBody>
           </p:sp>
         </mc:Choice>
-        <mc:Fallback xmlns="">
+        <mc:Fallback>
           <p:sp>
             <p:nvSpPr>
               <p:cNvPr id="65" name="Textfeld 64">
@@ -5740,7 +5752,7 @@
               <a:blipFill>
                 <a:blip r:embed="rId23"/>
                 <a:stretch>
-                  <a:fillRect t="-6667" r="-4808" b="-26667"/>
+                  <a:fillRect t="-6667" r="-1923" b="-26667"/>
                 </a:stretch>
               </a:blipFill>
             </p:spPr>
@@ -5835,7 +5847,15 @@
                 </a:r>
                 <a:r>
                   <a:rPr lang="de-AT" dirty="0"/>
-                  <a:t>H2O</a:t>
+                  <a:t>H</a:t>
+                </a:r>
+                <a:r>
+                  <a:rPr lang="de-AT" baseline="-25000" dirty="0"/>
+                  <a:t>2</a:t>
+                </a:r>
+                <a:r>
+                  <a:rPr lang="de-AT" dirty="0"/>
+                  <a:t>O</a:t>
                 </a:r>
                 <a:r>
                   <a:rPr lang="de-AT" b="0" dirty="0"/>
@@ -5858,7 +5878,15 @@
                 </a14:m>
                 <a:r>
                   <a:rPr lang="de-AT" b="0" dirty="0"/>
-                  <a:t>(CH3) M2</a:t>
+                  <a:t>(CH</a:t>
+                </a:r>
+                <a:r>
+                  <a:rPr lang="de-AT" b="0" baseline="-25000" dirty="0"/>
+                  <a:t>3</a:t>
+                </a:r>
+                <a:r>
+                  <a:rPr lang="de-AT" b="0" dirty="0"/>
+                  <a:t>) M2</a:t>
                 </a:r>
               </a:p>
             </p:txBody>
